--- a/Makeover1/DataViz Makeover 1.pptx
+++ b/Makeover1/DataViz Makeover 1.pptx
@@ -13,6 +13,11 @@
     <p:sldId id="261" r:id="rId7"/>
     <p:sldId id="262" r:id="rId8"/>
     <p:sldId id="263" r:id="rId9"/>
+    <p:sldId id="264" r:id="rId10"/>
+    <p:sldId id="265" r:id="rId11"/>
+    <p:sldId id="266" r:id="rId12"/>
+    <p:sldId id="267" r:id="rId13"/>
+    <p:sldId id="268" r:id="rId14"/>
   </p:sldIdLst>
   <p:sldSz cx="12192000" cy="6858000"/>
   <p:notesSz cx="6858000" cy="9144000"/>
@@ -268,7 +273,7 @@
           <a:p>
             <a:fld id="{D6A41D34-75FD-4202-9569-AC0A2002C12E}" type="datetimeFigureOut">
               <a:rPr lang="en-SG" smtClean="0"/>
-              <a:t>24/1/2021</a:t>
+              <a:t>26/1/2021</a:t>
             </a:fld>
             <a:endParaRPr lang="en-SG"/>
           </a:p>
@@ -468,7 +473,7 @@
           <a:p>
             <a:fld id="{D6A41D34-75FD-4202-9569-AC0A2002C12E}" type="datetimeFigureOut">
               <a:rPr lang="en-SG" smtClean="0"/>
-              <a:t>24/1/2021</a:t>
+              <a:t>26/1/2021</a:t>
             </a:fld>
             <a:endParaRPr lang="en-SG"/>
           </a:p>
@@ -678,7 +683,7 @@
           <a:p>
             <a:fld id="{D6A41D34-75FD-4202-9569-AC0A2002C12E}" type="datetimeFigureOut">
               <a:rPr lang="en-SG" smtClean="0"/>
-              <a:t>24/1/2021</a:t>
+              <a:t>26/1/2021</a:t>
             </a:fld>
             <a:endParaRPr lang="en-SG"/>
           </a:p>
@@ -878,7 +883,7 @@
           <a:p>
             <a:fld id="{D6A41D34-75FD-4202-9569-AC0A2002C12E}" type="datetimeFigureOut">
               <a:rPr lang="en-SG" smtClean="0"/>
-              <a:t>24/1/2021</a:t>
+              <a:t>26/1/2021</a:t>
             </a:fld>
             <a:endParaRPr lang="en-SG"/>
           </a:p>
@@ -1154,7 +1159,7 @@
           <a:p>
             <a:fld id="{D6A41D34-75FD-4202-9569-AC0A2002C12E}" type="datetimeFigureOut">
               <a:rPr lang="en-SG" smtClean="0"/>
-              <a:t>24/1/2021</a:t>
+              <a:t>26/1/2021</a:t>
             </a:fld>
             <a:endParaRPr lang="en-SG"/>
           </a:p>
@@ -1422,7 +1427,7 @@
           <a:p>
             <a:fld id="{D6A41D34-75FD-4202-9569-AC0A2002C12E}" type="datetimeFigureOut">
               <a:rPr lang="en-SG" smtClean="0"/>
-              <a:t>24/1/2021</a:t>
+              <a:t>26/1/2021</a:t>
             </a:fld>
             <a:endParaRPr lang="en-SG"/>
           </a:p>
@@ -1837,7 +1842,7 @@
           <a:p>
             <a:fld id="{D6A41D34-75FD-4202-9569-AC0A2002C12E}" type="datetimeFigureOut">
               <a:rPr lang="en-SG" smtClean="0"/>
-              <a:t>24/1/2021</a:t>
+              <a:t>26/1/2021</a:t>
             </a:fld>
             <a:endParaRPr lang="en-SG"/>
           </a:p>
@@ -1979,7 +1984,7 @@
           <a:p>
             <a:fld id="{D6A41D34-75FD-4202-9569-AC0A2002C12E}" type="datetimeFigureOut">
               <a:rPr lang="en-SG" smtClean="0"/>
-              <a:t>24/1/2021</a:t>
+              <a:t>26/1/2021</a:t>
             </a:fld>
             <a:endParaRPr lang="en-SG"/>
           </a:p>
@@ -2092,7 +2097,7 @@
           <a:p>
             <a:fld id="{D6A41D34-75FD-4202-9569-AC0A2002C12E}" type="datetimeFigureOut">
               <a:rPr lang="en-SG" smtClean="0"/>
-              <a:t>24/1/2021</a:t>
+              <a:t>26/1/2021</a:t>
             </a:fld>
             <a:endParaRPr lang="en-SG"/>
           </a:p>
@@ -2405,7 +2410,7 @@
           <a:p>
             <a:fld id="{D6A41D34-75FD-4202-9569-AC0A2002C12E}" type="datetimeFigureOut">
               <a:rPr lang="en-SG" smtClean="0"/>
-              <a:t>24/1/2021</a:t>
+              <a:t>26/1/2021</a:t>
             </a:fld>
             <a:endParaRPr lang="en-SG"/>
           </a:p>
@@ -2694,7 +2699,7 @@
           <a:p>
             <a:fld id="{D6A41D34-75FD-4202-9569-AC0A2002C12E}" type="datetimeFigureOut">
               <a:rPr lang="en-SG" smtClean="0"/>
-              <a:t>24/1/2021</a:t>
+              <a:t>26/1/2021</a:t>
             </a:fld>
             <a:endParaRPr lang="en-SG"/>
           </a:p>
@@ -2937,7 +2942,7 @@
           <a:p>
             <a:fld id="{D6A41D34-75FD-4202-9569-AC0A2002C12E}" type="datetimeFigureOut">
               <a:rPr lang="en-SG" smtClean="0"/>
-              <a:t>24/1/2021</a:t>
+              <a:t>26/1/2021</a:t>
             </a:fld>
             <a:endParaRPr lang="en-SG"/>
           </a:p>
@@ -3338,7 +3343,7 @@
 </file>
 
 <file path=ppt/slides/slide1.xml><?xml version="1.0" encoding="utf-8"?>
-<p:sld xmlns:a="http://schemas.openxmlformats.org/drawingml/2006/main" xmlns:r="http://schemas.openxmlformats.org/officeDocument/2006/relationships" xmlns:p="http://schemas.openxmlformats.org/presentationml/2006/main">
+<p:sld xmlns:a="http://schemas.openxmlformats.org/drawingml/2006/main" xmlns:r="http://schemas.openxmlformats.org/officeDocument/2006/relationships" xmlns:p="http://schemas.openxmlformats.org/presentationml/2006/main" show="0">
   <p:cSld>
     <p:spTree>
       <p:nvGrpSpPr>
@@ -3457,8 +3462,685 @@
 </p:sld>
 </file>
 
+<file path=ppt/slides/slide10.xml><?xml version="1.0" encoding="utf-8"?>
+<p:sld xmlns:a="http://schemas.openxmlformats.org/drawingml/2006/main" xmlns:r="http://schemas.openxmlformats.org/officeDocument/2006/relationships" xmlns:p="http://schemas.openxmlformats.org/presentationml/2006/main">
+  <p:cSld>
+    <p:spTree>
+      <p:nvGrpSpPr>
+        <p:cNvPr id="1" name=""/>
+        <p:cNvGrpSpPr/>
+        <p:nvPr/>
+      </p:nvGrpSpPr>
+      <p:grpSpPr>
+        <a:xfrm>
+          <a:off x="0" y="0"/>
+          <a:ext cx="0" cy="0"/>
+          <a:chOff x="0" y="0"/>
+          <a:chExt cx="0" cy="0"/>
+        </a:xfrm>
+      </p:grpSpPr>
+      <p:grpSp>
+        <p:nvGrpSpPr>
+          <p:cNvPr id="9" name="Group 8">
+            <a:extLst>
+              <a:ext uri="{FF2B5EF4-FFF2-40B4-BE49-F238E27FC236}">
+                <a16:creationId xmlns:a16="http://schemas.microsoft.com/office/drawing/2014/main" id="{BB2BB893-553F-4134-A1F6-3E73D5B47516}"/>
+              </a:ext>
+            </a:extLst>
+          </p:cNvPr>
+          <p:cNvGrpSpPr/>
+          <p:nvPr/>
+        </p:nvGrpSpPr>
+        <p:grpSpPr>
+          <a:xfrm>
+            <a:off x="2538056" y="443175"/>
+            <a:ext cx="7115889" cy="5971650"/>
+            <a:chOff x="2538056" y="443175"/>
+            <a:chExt cx="7115889" cy="5971650"/>
+          </a:xfrm>
+        </p:grpSpPr>
+        <p:grpSp>
+          <p:nvGrpSpPr>
+            <p:cNvPr id="6" name="Group 5">
+              <a:extLst>
+                <a:ext uri="{FF2B5EF4-FFF2-40B4-BE49-F238E27FC236}">
+                  <a16:creationId xmlns:a16="http://schemas.microsoft.com/office/drawing/2014/main" id="{FE2F1CCC-C1C7-4086-84E8-98547B6E4633}"/>
+                </a:ext>
+              </a:extLst>
+            </p:cNvPr>
+            <p:cNvGrpSpPr/>
+            <p:nvPr/>
+          </p:nvGrpSpPr>
+          <p:grpSpPr>
+            <a:xfrm>
+              <a:off x="2538056" y="443175"/>
+              <a:ext cx="7115889" cy="5971650"/>
+              <a:chOff x="584081" y="443174"/>
+              <a:chExt cx="7115889" cy="5971650"/>
+            </a:xfrm>
+          </p:grpSpPr>
+          <p:pic>
+            <p:nvPicPr>
+              <p:cNvPr id="3" name="Picture 2">
+                <a:extLst>
+                  <a:ext uri="{FF2B5EF4-FFF2-40B4-BE49-F238E27FC236}">
+                    <a16:creationId xmlns:a16="http://schemas.microsoft.com/office/drawing/2014/main" id="{9CC59B62-C733-4B85-BDBD-3478CED630DD}"/>
+                  </a:ext>
+                </a:extLst>
+              </p:cNvPr>
+              <p:cNvPicPr>
+                <a:picLocks noChangeAspect="1"/>
+              </p:cNvPicPr>
+              <p:nvPr/>
+            </p:nvPicPr>
+            <p:blipFill>
+              <a:blip r:embed="rId2"/>
+              <a:stretch>
+                <a:fillRect/>
+              </a:stretch>
+            </p:blipFill>
+            <p:spPr>
+              <a:xfrm>
+                <a:off x="584081" y="443175"/>
+                <a:ext cx="3541948" cy="5971649"/>
+              </a:xfrm>
+              <a:prstGeom prst="rect">
+                <a:avLst/>
+              </a:prstGeom>
+            </p:spPr>
+          </p:pic>
+          <p:pic>
+            <p:nvPicPr>
+              <p:cNvPr id="5" name="Picture 4">
+                <a:extLst>
+                  <a:ext uri="{FF2B5EF4-FFF2-40B4-BE49-F238E27FC236}">
+                    <a16:creationId xmlns:a16="http://schemas.microsoft.com/office/drawing/2014/main" id="{70503747-7B43-4CF0-A3BF-2ED13390E21B}"/>
+                  </a:ext>
+                </a:extLst>
+              </p:cNvPr>
+              <p:cNvPicPr>
+                <a:picLocks noChangeAspect="1"/>
+              </p:cNvPicPr>
+              <p:nvPr/>
+            </p:nvPicPr>
+            <p:blipFill>
+              <a:blip r:embed="rId3"/>
+              <a:stretch>
+                <a:fillRect/>
+              </a:stretch>
+            </p:blipFill>
+            <p:spPr>
+              <a:xfrm>
+                <a:off x="4126029" y="443174"/>
+                <a:ext cx="3573941" cy="5971649"/>
+              </a:xfrm>
+              <a:prstGeom prst="rect">
+                <a:avLst/>
+              </a:prstGeom>
+            </p:spPr>
+          </p:pic>
+        </p:grpSp>
+        <p:sp>
+          <p:nvSpPr>
+            <p:cNvPr id="7" name="Rectangle 6">
+              <a:extLst>
+                <a:ext uri="{FF2B5EF4-FFF2-40B4-BE49-F238E27FC236}">
+                  <a16:creationId xmlns:a16="http://schemas.microsoft.com/office/drawing/2014/main" id="{864E3217-DFEF-40B8-B1CB-FDE27E9E78C2}"/>
+                </a:ext>
+              </a:extLst>
+            </p:cNvPr>
+            <p:cNvSpPr/>
+            <p:nvPr/>
+          </p:nvSpPr>
+          <p:spPr>
+            <a:xfrm>
+              <a:off x="2602955" y="1110744"/>
+              <a:ext cx="858301" cy="274881"/>
+            </a:xfrm>
+            <a:prstGeom prst="rect">
+              <a:avLst/>
+            </a:prstGeom>
+            <a:solidFill>
+              <a:schemeClr val="bg1"/>
+            </a:solidFill>
+            <a:ln>
+              <a:solidFill>
+                <a:schemeClr val="bg1"/>
+              </a:solidFill>
+            </a:ln>
+          </p:spPr>
+          <p:style>
+            <a:lnRef idx="2">
+              <a:schemeClr val="accent1">
+                <a:shade val="50000"/>
+              </a:schemeClr>
+            </a:lnRef>
+            <a:fillRef idx="1">
+              <a:schemeClr val="accent1"/>
+            </a:fillRef>
+            <a:effectRef idx="0">
+              <a:schemeClr val="accent1"/>
+            </a:effectRef>
+            <a:fontRef idx="minor">
+              <a:schemeClr val="lt1"/>
+            </a:fontRef>
+          </p:style>
+          <p:txBody>
+            <a:bodyPr rtlCol="0" anchor="ctr"/>
+            <a:lstStyle/>
+            <a:p>
+              <a:pPr algn="ctr"/>
+              <a:endParaRPr lang="en-SG"/>
+            </a:p>
+          </p:txBody>
+        </p:sp>
+        <p:sp>
+          <p:nvSpPr>
+            <p:cNvPr id="8" name="Rectangle 7">
+              <a:extLst>
+                <a:ext uri="{FF2B5EF4-FFF2-40B4-BE49-F238E27FC236}">
+                  <a16:creationId xmlns:a16="http://schemas.microsoft.com/office/drawing/2014/main" id="{60F21079-88F4-49E9-8F96-DD7FB54A302B}"/>
+                </a:ext>
+              </a:extLst>
+            </p:cNvPr>
+            <p:cNvSpPr/>
+            <p:nvPr/>
+          </p:nvSpPr>
+          <p:spPr>
+            <a:xfrm>
+              <a:off x="6144903" y="1110744"/>
+              <a:ext cx="858301" cy="274881"/>
+            </a:xfrm>
+            <a:prstGeom prst="rect">
+              <a:avLst/>
+            </a:prstGeom>
+            <a:solidFill>
+              <a:schemeClr val="bg1"/>
+            </a:solidFill>
+            <a:ln>
+              <a:solidFill>
+                <a:schemeClr val="bg1"/>
+              </a:solidFill>
+            </a:ln>
+          </p:spPr>
+          <p:style>
+            <a:lnRef idx="2">
+              <a:schemeClr val="accent1">
+                <a:shade val="50000"/>
+              </a:schemeClr>
+            </a:lnRef>
+            <a:fillRef idx="1">
+              <a:schemeClr val="accent1"/>
+            </a:fillRef>
+            <a:effectRef idx="0">
+              <a:schemeClr val="accent1"/>
+            </a:effectRef>
+            <a:fontRef idx="minor">
+              <a:schemeClr val="lt1"/>
+            </a:fontRef>
+          </p:style>
+          <p:txBody>
+            <a:bodyPr rtlCol="0" anchor="ctr"/>
+            <a:lstStyle/>
+            <a:p>
+              <a:pPr algn="ctr"/>
+              <a:endParaRPr lang="en-SG"/>
+            </a:p>
+          </p:txBody>
+        </p:sp>
+      </p:grpSp>
+    </p:spTree>
+    <p:extLst>
+      <p:ext uri="{BB962C8B-B14F-4D97-AF65-F5344CB8AC3E}">
+        <p14:creationId xmlns:p14="http://schemas.microsoft.com/office/powerpoint/2010/main" val="3465636263"/>
+      </p:ext>
+    </p:extLst>
+  </p:cSld>
+  <p:clrMapOvr>
+    <a:masterClrMapping/>
+  </p:clrMapOvr>
+</p:sld>
+</file>
+
+<file path=ppt/slides/slide11.xml><?xml version="1.0" encoding="utf-8"?>
+<p:sld xmlns:a="http://schemas.openxmlformats.org/drawingml/2006/main" xmlns:r="http://schemas.openxmlformats.org/officeDocument/2006/relationships" xmlns:p="http://schemas.openxmlformats.org/presentationml/2006/main">
+  <p:cSld>
+    <p:spTree>
+      <p:nvGrpSpPr>
+        <p:cNvPr id="1" name=""/>
+        <p:cNvGrpSpPr/>
+        <p:nvPr/>
+      </p:nvGrpSpPr>
+      <p:grpSpPr>
+        <a:xfrm>
+          <a:off x="0" y="0"/>
+          <a:ext cx="0" cy="0"/>
+          <a:chOff x="0" y="0"/>
+          <a:chExt cx="0" cy="0"/>
+        </a:xfrm>
+      </p:grpSpPr>
+      <p:sp>
+        <p:nvSpPr>
+          <p:cNvPr id="4" name="TextBox 3">
+            <a:extLst>
+              <a:ext uri="{FF2B5EF4-FFF2-40B4-BE49-F238E27FC236}">
+                <a16:creationId xmlns:a16="http://schemas.microsoft.com/office/drawing/2014/main" id="{8BF6BF63-436F-4996-86EB-574E2DAA619E}"/>
+              </a:ext>
+            </a:extLst>
+          </p:cNvPr>
+          <p:cNvSpPr txBox="1"/>
+          <p:nvPr/>
+        </p:nvSpPr>
+        <p:spPr>
+          <a:xfrm>
+            <a:off x="5317902" y="5934670"/>
+            <a:ext cx="1556195" cy="923330"/>
+          </a:xfrm>
+          <a:prstGeom prst="rect">
+            <a:avLst/>
+          </a:prstGeom>
+          <a:noFill/>
+        </p:spPr>
+        <p:txBody>
+          <a:bodyPr wrap="none" rtlCol="0">
+            <a:spAutoFit/>
+          </a:bodyPr>
+          <a:lstStyle/>
+          <a:p>
+            <a:pPr algn="ctr"/>
+            <a:r>
+              <a:rPr lang="en-SG" dirty="0"/>
+              <a:t>Opacity = 50%</a:t>
+            </a:r>
+          </a:p>
+          <a:p>
+            <a:pPr algn="ctr"/>
+            <a:r>
+              <a:rPr lang="en-SG" dirty="0"/>
+              <a:t>Increase size</a:t>
+            </a:r>
+          </a:p>
+          <a:p>
+            <a:pPr algn="ctr"/>
+            <a:r>
+              <a:rPr lang="en-SG" dirty="0"/>
+              <a:t>Change colour</a:t>
+            </a:r>
+          </a:p>
+        </p:txBody>
+      </p:sp>
+      <p:pic>
+        <p:nvPicPr>
+          <p:cNvPr id="8" name="Picture 7">
+            <a:extLst>
+              <a:ext uri="{FF2B5EF4-FFF2-40B4-BE49-F238E27FC236}">
+                <a16:creationId xmlns:a16="http://schemas.microsoft.com/office/drawing/2014/main" id="{3E5FBEBE-2099-4B38-AE72-6287CCA4784A}"/>
+              </a:ext>
+            </a:extLst>
+          </p:cNvPr>
+          <p:cNvPicPr>
+            <a:picLocks noChangeAspect="1"/>
+          </p:cNvPicPr>
+          <p:nvPr/>
+        </p:nvPicPr>
+        <p:blipFill>
+          <a:blip r:embed="rId2"/>
+          <a:stretch>
+            <a:fillRect/>
+          </a:stretch>
+        </p:blipFill>
+        <p:spPr>
+          <a:xfrm>
+            <a:off x="3619481" y="186290"/>
+            <a:ext cx="4953036" cy="5748380"/>
+          </a:xfrm>
+          <a:prstGeom prst="rect">
+            <a:avLst/>
+          </a:prstGeom>
+        </p:spPr>
+      </p:pic>
+    </p:spTree>
+    <p:extLst>
+      <p:ext uri="{BB962C8B-B14F-4D97-AF65-F5344CB8AC3E}">
+        <p14:creationId xmlns:p14="http://schemas.microsoft.com/office/powerpoint/2010/main" val="1949621891"/>
+      </p:ext>
+    </p:extLst>
+  </p:cSld>
+  <p:clrMapOvr>
+    <a:masterClrMapping/>
+  </p:clrMapOvr>
+</p:sld>
+</file>
+
+<file path=ppt/slides/slide12.xml><?xml version="1.0" encoding="utf-8"?>
+<p:sld xmlns:a="http://schemas.openxmlformats.org/drawingml/2006/main" xmlns:r="http://schemas.openxmlformats.org/officeDocument/2006/relationships" xmlns:p="http://schemas.openxmlformats.org/presentationml/2006/main">
+  <p:cSld>
+    <p:spTree>
+      <p:nvGrpSpPr>
+        <p:cNvPr id="1" name=""/>
+        <p:cNvGrpSpPr/>
+        <p:nvPr/>
+      </p:nvGrpSpPr>
+      <p:grpSpPr>
+        <a:xfrm>
+          <a:off x="0" y="0"/>
+          <a:ext cx="0" cy="0"/>
+          <a:chOff x="0" y="0"/>
+          <a:chExt cx="0" cy="0"/>
+        </a:xfrm>
+      </p:grpSpPr>
+      <p:sp>
+        <p:nvSpPr>
+          <p:cNvPr id="2" name="TextBox 1">
+            <a:extLst>
+              <a:ext uri="{FF2B5EF4-FFF2-40B4-BE49-F238E27FC236}">
+                <a16:creationId xmlns:a16="http://schemas.microsoft.com/office/drawing/2014/main" id="{312C70CD-5463-4584-ABA9-40C2DEAD4949}"/>
+              </a:ext>
+            </a:extLst>
+          </p:cNvPr>
+          <p:cNvSpPr txBox="1"/>
+          <p:nvPr/>
+        </p:nvSpPr>
+        <p:spPr>
+          <a:xfrm>
+            <a:off x="6733291" y="1397675"/>
+            <a:ext cx="3875228" cy="2031325"/>
+          </a:xfrm>
+          <a:prstGeom prst="rect">
+            <a:avLst/>
+          </a:prstGeom>
+          <a:noFill/>
+        </p:spPr>
+        <p:txBody>
+          <a:bodyPr wrap="none" rtlCol="0">
+            <a:spAutoFit/>
+          </a:bodyPr>
+          <a:lstStyle/>
+          <a:p>
+            <a:r>
+              <a:rPr lang="en-SG" dirty="0"/>
+              <a:t>Drag Age Range to Columns</a:t>
+            </a:r>
+          </a:p>
+          <a:p>
+            <a:r>
+              <a:rPr lang="en-SG" dirty="0"/>
+              <a:t>Drag LFPR2009 and LFPR2019 to Rows</a:t>
+            </a:r>
+          </a:p>
+          <a:p>
+            <a:r>
+              <a:rPr lang="en-SG" dirty="0"/>
+              <a:t>Click Text Table on Show Me</a:t>
+            </a:r>
+          </a:p>
+          <a:p>
+            <a:r>
+              <a:rPr lang="en-SG" dirty="0"/>
+              <a:t>Swap Rows and Columns</a:t>
+            </a:r>
+          </a:p>
+          <a:p>
+            <a:r>
+              <a:rPr lang="en-SG" dirty="0"/>
+              <a:t>Hide field label for column and headers</a:t>
+            </a:r>
+          </a:p>
+          <a:p>
+            <a:r>
+              <a:rPr lang="en-SG" dirty="0"/>
+              <a:t>Drag Measure Names to Colour</a:t>
+            </a:r>
+          </a:p>
+          <a:p>
+            <a:r>
+              <a:rPr lang="en-SG" dirty="0"/>
+              <a:t>Change Colour</a:t>
+            </a:r>
+          </a:p>
+        </p:txBody>
+      </p:sp>
+      <p:sp>
+        <p:nvSpPr>
+          <p:cNvPr id="5" name="TextBox 4">
+            <a:extLst>
+              <a:ext uri="{FF2B5EF4-FFF2-40B4-BE49-F238E27FC236}">
+                <a16:creationId xmlns:a16="http://schemas.microsoft.com/office/drawing/2014/main" id="{9635A408-E9A2-4888-A071-47937AEDAA11}"/>
+              </a:ext>
+            </a:extLst>
+          </p:cNvPr>
+          <p:cNvSpPr txBox="1"/>
+          <p:nvPr/>
+        </p:nvSpPr>
+        <p:spPr>
+          <a:xfrm>
+            <a:off x="1040263" y="5109026"/>
+            <a:ext cx="4641335" cy="1200329"/>
+          </a:xfrm>
+          <a:prstGeom prst="rect">
+            <a:avLst/>
+          </a:prstGeom>
+          <a:noFill/>
+        </p:spPr>
+        <p:txBody>
+          <a:bodyPr wrap="none" rtlCol="0">
+            <a:spAutoFit/>
+          </a:bodyPr>
+          <a:lstStyle/>
+          <a:p>
+            <a:r>
+              <a:rPr lang="en-SG" dirty="0"/>
+              <a:t>Hide field label for column and headers</a:t>
+            </a:r>
+          </a:p>
+          <a:p>
+            <a:r>
+              <a:rPr lang="en-SG" dirty="0"/>
+              <a:t>Adjust dimensions of chart</a:t>
+            </a:r>
+          </a:p>
+          <a:p>
+            <a:r>
+              <a:rPr lang="en-SG" dirty="0"/>
+              <a:t>RLF2009 and RLF2019 under Label, align/colour</a:t>
+            </a:r>
+          </a:p>
+          <a:p>
+            <a:r>
+              <a:rPr lang="en-SG" dirty="0"/>
+              <a:t>Add legend as annotation</a:t>
+            </a:r>
+          </a:p>
+        </p:txBody>
+      </p:sp>
+      <p:pic>
+        <p:nvPicPr>
+          <p:cNvPr id="11" name="Picture 10">
+            <a:extLst>
+              <a:ext uri="{FF2B5EF4-FFF2-40B4-BE49-F238E27FC236}">
+                <a16:creationId xmlns:a16="http://schemas.microsoft.com/office/drawing/2014/main" id="{19E9A29C-8102-4065-9A68-0E5973CA9FAC}"/>
+              </a:ext>
+            </a:extLst>
+          </p:cNvPr>
+          <p:cNvPicPr>
+            <a:picLocks noChangeAspect="1"/>
+          </p:cNvPicPr>
+          <p:nvPr/>
+        </p:nvPicPr>
+        <p:blipFill>
+          <a:blip r:embed="rId2"/>
+          <a:stretch>
+            <a:fillRect/>
+          </a:stretch>
+        </p:blipFill>
+        <p:spPr>
+          <a:xfrm>
+            <a:off x="1835941" y="744772"/>
+            <a:ext cx="3049978" cy="4364254"/>
+          </a:xfrm>
+          <a:prstGeom prst="rect">
+            <a:avLst/>
+          </a:prstGeom>
+        </p:spPr>
+      </p:pic>
+      <p:pic>
+        <p:nvPicPr>
+          <p:cNvPr id="15" name="Picture 14">
+            <a:extLst>
+              <a:ext uri="{FF2B5EF4-FFF2-40B4-BE49-F238E27FC236}">
+                <a16:creationId xmlns:a16="http://schemas.microsoft.com/office/drawing/2014/main" id="{D8CAAE28-3AC3-4704-AB18-28A7620A9EC5}"/>
+              </a:ext>
+            </a:extLst>
+          </p:cNvPr>
+          <p:cNvPicPr>
+            <a:picLocks noChangeAspect="1"/>
+          </p:cNvPicPr>
+          <p:nvPr/>
+        </p:nvPicPr>
+        <p:blipFill>
+          <a:blip r:embed="rId3"/>
+          <a:stretch>
+            <a:fillRect/>
+          </a:stretch>
+        </p:blipFill>
+        <p:spPr>
+          <a:xfrm>
+            <a:off x="6733291" y="945234"/>
+            <a:ext cx="3590951" cy="452441"/>
+          </a:xfrm>
+          <a:prstGeom prst="rect">
+            <a:avLst/>
+          </a:prstGeom>
+        </p:spPr>
+      </p:pic>
+    </p:spTree>
+    <p:extLst>
+      <p:ext uri="{BB962C8B-B14F-4D97-AF65-F5344CB8AC3E}">
+        <p14:creationId xmlns:p14="http://schemas.microsoft.com/office/powerpoint/2010/main" val="2322544967"/>
+      </p:ext>
+    </p:extLst>
+  </p:cSld>
+  <p:clrMapOvr>
+    <a:masterClrMapping/>
+  </p:clrMapOvr>
+</p:sld>
+</file>
+
+<file path=ppt/slides/slide13.xml><?xml version="1.0" encoding="utf-8"?>
+<p:sld xmlns:a="http://schemas.openxmlformats.org/drawingml/2006/main" xmlns:r="http://schemas.openxmlformats.org/officeDocument/2006/relationships" xmlns:p="http://schemas.openxmlformats.org/presentationml/2006/main">
+  <p:cSld>
+    <p:spTree>
+      <p:nvGrpSpPr>
+        <p:cNvPr id="1" name=""/>
+        <p:cNvGrpSpPr/>
+        <p:nvPr/>
+      </p:nvGrpSpPr>
+      <p:grpSpPr>
+        <a:xfrm>
+          <a:off x="0" y="0"/>
+          <a:ext cx="0" cy="0"/>
+          <a:chOff x="0" y="0"/>
+          <a:chExt cx="0" cy="0"/>
+        </a:xfrm>
+      </p:grpSpPr>
+      <p:sp>
+        <p:nvSpPr>
+          <p:cNvPr id="2" name="TextBox 1">
+            <a:extLst>
+              <a:ext uri="{FF2B5EF4-FFF2-40B4-BE49-F238E27FC236}">
+                <a16:creationId xmlns:a16="http://schemas.microsoft.com/office/drawing/2014/main" id="{B2D31A32-5FA7-4BAB-9002-DBEE0CF36A5C}"/>
+              </a:ext>
+            </a:extLst>
+          </p:cNvPr>
+          <p:cNvSpPr txBox="1"/>
+          <p:nvPr/>
+        </p:nvSpPr>
+        <p:spPr>
+          <a:xfrm>
+            <a:off x="4016200" y="5657671"/>
+            <a:ext cx="4159600" cy="1200329"/>
+          </a:xfrm>
+          <a:prstGeom prst="rect">
+            <a:avLst/>
+          </a:prstGeom>
+          <a:noFill/>
+        </p:spPr>
+        <p:txBody>
+          <a:bodyPr wrap="none" rtlCol="0">
+            <a:spAutoFit/>
+          </a:bodyPr>
+          <a:lstStyle/>
+          <a:p>
+            <a:r>
+              <a:rPr lang="en-SG" dirty="0"/>
+              <a:t>Add title, lead-in paragraph, source as text</a:t>
+            </a:r>
+          </a:p>
+          <a:p>
+            <a:r>
+              <a:rPr lang="en-SG" dirty="0"/>
+              <a:t>Add dot chart</a:t>
+            </a:r>
+          </a:p>
+          <a:p>
+            <a:r>
+              <a:rPr lang="en-SG" dirty="0"/>
+              <a:t>Add LFPR data</a:t>
+            </a:r>
+          </a:p>
+          <a:p>
+            <a:r>
+              <a:rPr lang="en-SG" dirty="0"/>
+              <a:t>Add blank to adjust dashboard dimensions</a:t>
+            </a:r>
+          </a:p>
+        </p:txBody>
+      </p:sp>
+      <p:pic>
+        <p:nvPicPr>
+          <p:cNvPr id="10" name="Picture 9">
+            <a:extLst>
+              <a:ext uri="{FF2B5EF4-FFF2-40B4-BE49-F238E27FC236}">
+                <a16:creationId xmlns:a16="http://schemas.microsoft.com/office/drawing/2014/main" id="{C2CC0C5B-A83A-4380-8EC4-10DF78489F75}"/>
+              </a:ext>
+            </a:extLst>
+          </p:cNvPr>
+          <p:cNvPicPr>
+            <a:picLocks noChangeAspect="1"/>
+          </p:cNvPicPr>
+          <p:nvPr/>
+        </p:nvPicPr>
+        <p:blipFill>
+          <a:blip r:embed="rId2"/>
+          <a:stretch>
+            <a:fillRect/>
+          </a:stretch>
+        </p:blipFill>
+        <p:spPr>
+          <a:xfrm>
+            <a:off x="1892491" y="196449"/>
+            <a:ext cx="8407017" cy="5461222"/>
+          </a:xfrm>
+          <a:prstGeom prst="rect">
+            <a:avLst/>
+          </a:prstGeom>
+        </p:spPr>
+      </p:pic>
+    </p:spTree>
+    <p:extLst>
+      <p:ext uri="{BB962C8B-B14F-4D97-AF65-F5344CB8AC3E}">
+        <p14:creationId xmlns:p14="http://schemas.microsoft.com/office/powerpoint/2010/main" val="180146763"/>
+      </p:ext>
+    </p:extLst>
+  </p:cSld>
+  <p:clrMapOvr>
+    <a:masterClrMapping/>
+  </p:clrMapOvr>
+</p:sld>
+</file>
+
 <file path=ppt/slides/slide2.xml><?xml version="1.0" encoding="utf-8"?>
-<p:sld xmlns:a="http://schemas.openxmlformats.org/drawingml/2006/main" xmlns:r="http://schemas.openxmlformats.org/officeDocument/2006/relationships" xmlns:p="http://schemas.openxmlformats.org/presentationml/2006/main">
+<p:sld xmlns:a="http://schemas.openxmlformats.org/drawingml/2006/main" xmlns:r="http://schemas.openxmlformats.org/officeDocument/2006/relationships" xmlns:p="http://schemas.openxmlformats.org/presentationml/2006/main" show="0">
   <p:cSld>
     <p:spTree>
       <p:nvGrpSpPr>
@@ -3548,7 +4230,7 @@
 </file>
 
 <file path=ppt/slides/slide3.xml><?xml version="1.0" encoding="utf-8"?>
-<p:sld xmlns:a="http://schemas.openxmlformats.org/drawingml/2006/main" xmlns:r="http://schemas.openxmlformats.org/officeDocument/2006/relationships" xmlns:p="http://schemas.openxmlformats.org/presentationml/2006/main">
+<p:sld xmlns:a="http://schemas.openxmlformats.org/drawingml/2006/main" xmlns:r="http://schemas.openxmlformats.org/officeDocument/2006/relationships" xmlns:p="http://schemas.openxmlformats.org/presentationml/2006/main" show="0">
   <p:cSld>
     <p:spTree>
       <p:nvGrpSpPr>
@@ -3674,7 +4356,7 @@
 </file>
 
 <file path=ppt/slides/slide4.xml><?xml version="1.0" encoding="utf-8"?>
-<p:sld xmlns:a="http://schemas.openxmlformats.org/drawingml/2006/main" xmlns:r="http://schemas.openxmlformats.org/officeDocument/2006/relationships" xmlns:p="http://schemas.openxmlformats.org/presentationml/2006/main">
+<p:sld xmlns:a="http://schemas.openxmlformats.org/drawingml/2006/main" xmlns:r="http://schemas.openxmlformats.org/officeDocument/2006/relationships" xmlns:p="http://schemas.openxmlformats.org/presentationml/2006/main" show="0">
   <p:cSld>
     <p:spTree>
       <p:nvGrpSpPr>
@@ -3805,7 +4487,7 @@
 </file>
 
 <file path=ppt/slides/slide5.xml><?xml version="1.0" encoding="utf-8"?>
-<p:sld xmlns:a="http://schemas.openxmlformats.org/drawingml/2006/main" xmlns:r="http://schemas.openxmlformats.org/officeDocument/2006/relationships" xmlns:p="http://schemas.openxmlformats.org/presentationml/2006/main">
+<p:sld xmlns:a="http://schemas.openxmlformats.org/drawingml/2006/main" xmlns:r="http://schemas.openxmlformats.org/officeDocument/2006/relationships" xmlns:p="http://schemas.openxmlformats.org/presentationml/2006/main" show="0">
   <p:cSld>
     <p:spTree>
       <p:nvGrpSpPr>
@@ -3979,7 +4661,7 @@
 </file>
 
 <file path=ppt/slides/slide6.xml><?xml version="1.0" encoding="utf-8"?>
-<p:sld xmlns:a="http://schemas.openxmlformats.org/drawingml/2006/main" xmlns:r="http://schemas.openxmlformats.org/officeDocument/2006/relationships" xmlns:p="http://schemas.openxmlformats.org/presentationml/2006/main">
+<p:sld xmlns:a="http://schemas.openxmlformats.org/drawingml/2006/main" xmlns:r="http://schemas.openxmlformats.org/officeDocument/2006/relationships" xmlns:p="http://schemas.openxmlformats.org/presentationml/2006/main" show="0">
   <p:cSld>
     <p:spTree>
       <p:nvGrpSpPr>
@@ -4090,6 +4772,303 @@
 </file>
 
 <file path=ppt/slides/slide7.xml><?xml version="1.0" encoding="utf-8"?>
+<p:sld xmlns:a="http://schemas.openxmlformats.org/drawingml/2006/main" xmlns:r="http://schemas.openxmlformats.org/officeDocument/2006/relationships" xmlns:p="http://schemas.openxmlformats.org/presentationml/2006/main" show="0">
+  <p:cSld>
+    <p:spTree>
+      <p:nvGrpSpPr>
+        <p:cNvPr id="1" name=""/>
+        <p:cNvGrpSpPr/>
+        <p:nvPr/>
+      </p:nvGrpSpPr>
+      <p:grpSpPr>
+        <a:xfrm>
+          <a:off x="0" y="0"/>
+          <a:ext cx="0" cy="0"/>
+          <a:chOff x="0" y="0"/>
+          <a:chExt cx="0" cy="0"/>
+        </a:xfrm>
+      </p:grpSpPr>
+      <p:sp>
+        <p:nvSpPr>
+          <p:cNvPr id="3" name="TextBox 2">
+            <a:extLst>
+              <a:ext uri="{FF2B5EF4-FFF2-40B4-BE49-F238E27FC236}">
+                <a16:creationId xmlns:a16="http://schemas.microsoft.com/office/drawing/2014/main" id="{D1C2DA14-12CB-4BBC-8D4F-BFDC45D148D0}"/>
+              </a:ext>
+            </a:extLst>
+          </p:cNvPr>
+          <p:cNvSpPr txBox="1"/>
+          <p:nvPr/>
+        </p:nvSpPr>
+        <p:spPr>
+          <a:xfrm>
+            <a:off x="4333465" y="5196913"/>
+            <a:ext cx="3525068" cy="1477328"/>
+          </a:xfrm>
+          <a:prstGeom prst="rect">
+            <a:avLst/>
+          </a:prstGeom>
+          <a:noFill/>
+        </p:spPr>
+        <p:txBody>
+          <a:bodyPr wrap="none" rtlCol="0">
+            <a:spAutoFit/>
+          </a:bodyPr>
+          <a:lstStyle/>
+          <a:p>
+            <a:r>
+              <a:rPr lang="en-SG" dirty="0"/>
+              <a:t>Drag Age Range to Columns</a:t>
+            </a:r>
+          </a:p>
+          <a:p>
+            <a:r>
+              <a:rPr lang="en-SG" dirty="0"/>
+              <a:t>Drag RLF2009 and RLF2019 to Rows</a:t>
+            </a:r>
+          </a:p>
+          <a:p>
+            <a:r>
+              <a:rPr lang="en-SG" dirty="0"/>
+              <a:t>Click Text Table on Show Me</a:t>
+            </a:r>
+          </a:p>
+          <a:p>
+            <a:r>
+              <a:rPr lang="en-SG" dirty="0"/>
+              <a:t>Hide headers</a:t>
+            </a:r>
+          </a:p>
+          <a:p>
+            <a:r>
+              <a:rPr lang="en-SG" dirty="0"/>
+              <a:t>Drag Measure Names to </a:t>
+            </a:r>
+            <a:r>
+              <a:rPr lang="en-SG" dirty="0" err="1"/>
+              <a:t>Color</a:t>
+            </a:r>
+            <a:endParaRPr lang="en-SG" dirty="0"/>
+          </a:p>
+        </p:txBody>
+      </p:sp>
+      <p:pic>
+        <p:nvPicPr>
+          <p:cNvPr id="5" name="Picture 4">
+            <a:extLst>
+              <a:ext uri="{FF2B5EF4-FFF2-40B4-BE49-F238E27FC236}">
+                <a16:creationId xmlns:a16="http://schemas.microsoft.com/office/drawing/2014/main" id="{BB2F1B76-FC00-4A02-8A54-72C79EE75DC0}"/>
+              </a:ext>
+            </a:extLst>
+          </p:cNvPr>
+          <p:cNvPicPr>
+            <a:picLocks noChangeAspect="1"/>
+          </p:cNvPicPr>
+          <p:nvPr/>
+        </p:nvPicPr>
+        <p:blipFill>
+          <a:blip r:embed="rId2"/>
+          <a:stretch>
+            <a:fillRect/>
+          </a:stretch>
+        </p:blipFill>
+        <p:spPr>
+          <a:xfrm>
+            <a:off x="1516822" y="4701609"/>
+            <a:ext cx="9158354" cy="495304"/>
+          </a:xfrm>
+          <a:prstGeom prst="rect">
+            <a:avLst/>
+          </a:prstGeom>
+        </p:spPr>
+      </p:pic>
+      <p:pic>
+        <p:nvPicPr>
+          <p:cNvPr id="7" name="Picture 6">
+            <a:extLst>
+              <a:ext uri="{FF2B5EF4-FFF2-40B4-BE49-F238E27FC236}">
+                <a16:creationId xmlns:a16="http://schemas.microsoft.com/office/drawing/2014/main" id="{589654CA-52E8-45FC-A444-DC6FB8EBCA2F}"/>
+              </a:ext>
+            </a:extLst>
+          </p:cNvPr>
+          <p:cNvPicPr>
+            <a:picLocks noChangeAspect="1"/>
+          </p:cNvPicPr>
+          <p:nvPr/>
+        </p:nvPicPr>
+        <p:blipFill>
+          <a:blip r:embed="rId3"/>
+          <a:stretch>
+            <a:fillRect/>
+          </a:stretch>
+        </p:blipFill>
+        <p:spPr>
+          <a:xfrm>
+            <a:off x="3303895" y="183759"/>
+            <a:ext cx="5584210" cy="3693813"/>
+          </a:xfrm>
+          <a:prstGeom prst="rect">
+            <a:avLst/>
+          </a:prstGeom>
+        </p:spPr>
+      </p:pic>
+      <p:sp>
+        <p:nvSpPr>
+          <p:cNvPr id="8" name="TextBox 7">
+            <a:extLst>
+              <a:ext uri="{FF2B5EF4-FFF2-40B4-BE49-F238E27FC236}">
+                <a16:creationId xmlns:a16="http://schemas.microsoft.com/office/drawing/2014/main" id="{75A0868F-ED9A-42D5-8B44-088CD2BFB5B9}"/>
+              </a:ext>
+            </a:extLst>
+          </p:cNvPr>
+          <p:cNvSpPr txBox="1"/>
+          <p:nvPr/>
+        </p:nvSpPr>
+        <p:spPr>
+          <a:xfrm>
+            <a:off x="4802441" y="3877572"/>
+            <a:ext cx="2587118" cy="369332"/>
+          </a:xfrm>
+          <a:prstGeom prst="rect">
+            <a:avLst/>
+          </a:prstGeom>
+          <a:noFill/>
+        </p:spPr>
+        <p:txBody>
+          <a:bodyPr wrap="none" rtlCol="0">
+            <a:spAutoFit/>
+          </a:bodyPr>
+          <a:lstStyle/>
+          <a:p>
+            <a:pPr algn="ctr"/>
+            <a:r>
+              <a:rPr lang="en-SG" dirty="0"/>
+              <a:t>Add legend as annotation</a:t>
+            </a:r>
+          </a:p>
+        </p:txBody>
+      </p:sp>
+    </p:spTree>
+    <p:extLst>
+      <p:ext uri="{BB962C8B-B14F-4D97-AF65-F5344CB8AC3E}">
+        <p14:creationId xmlns:p14="http://schemas.microsoft.com/office/powerpoint/2010/main" val="1977906106"/>
+      </p:ext>
+    </p:extLst>
+  </p:cSld>
+  <p:clrMapOvr>
+    <a:masterClrMapping/>
+  </p:clrMapOvr>
+</p:sld>
+</file>
+
+<file path=ppt/slides/slide8.xml><?xml version="1.0" encoding="utf-8"?>
+<p:sld xmlns:a="http://schemas.openxmlformats.org/drawingml/2006/main" xmlns:r="http://schemas.openxmlformats.org/officeDocument/2006/relationships" xmlns:p="http://schemas.openxmlformats.org/presentationml/2006/main" show="0">
+  <p:cSld>
+    <p:spTree>
+      <p:nvGrpSpPr>
+        <p:cNvPr id="1" name=""/>
+        <p:cNvGrpSpPr/>
+        <p:nvPr/>
+      </p:nvGrpSpPr>
+      <p:grpSpPr>
+        <a:xfrm>
+          <a:off x="0" y="0"/>
+          <a:ext cx="0" cy="0"/>
+          <a:chOff x="0" y="0"/>
+          <a:chExt cx="0" cy="0"/>
+        </a:xfrm>
+      </p:grpSpPr>
+      <p:sp>
+        <p:nvSpPr>
+          <p:cNvPr id="2" name="TextBox 1">
+            <a:extLst>
+              <a:ext uri="{FF2B5EF4-FFF2-40B4-BE49-F238E27FC236}">
+                <a16:creationId xmlns:a16="http://schemas.microsoft.com/office/drawing/2014/main" id="{9CB343B0-5178-4A51-8D10-97A489885EE1}"/>
+              </a:ext>
+            </a:extLst>
+          </p:cNvPr>
+          <p:cNvSpPr txBox="1"/>
+          <p:nvPr/>
+        </p:nvSpPr>
+        <p:spPr>
+          <a:xfrm>
+            <a:off x="4016200" y="5889970"/>
+            <a:ext cx="4159600" cy="923330"/>
+          </a:xfrm>
+          <a:prstGeom prst="rect">
+            <a:avLst/>
+          </a:prstGeom>
+          <a:noFill/>
+        </p:spPr>
+        <p:txBody>
+          <a:bodyPr wrap="none" rtlCol="0">
+            <a:spAutoFit/>
+          </a:bodyPr>
+          <a:lstStyle/>
+          <a:p>
+            <a:r>
+              <a:rPr lang="en-SG" dirty="0"/>
+              <a:t>Add title, lead-in paragraph, source as text</a:t>
+            </a:r>
+          </a:p>
+          <a:p>
+            <a:r>
+              <a:rPr lang="en-SG" dirty="0"/>
+              <a:t>Add dot chart</a:t>
+            </a:r>
+          </a:p>
+          <a:p>
+            <a:r>
+              <a:rPr lang="en-SG" dirty="0"/>
+              <a:t>Add RLF data</a:t>
+            </a:r>
+          </a:p>
+        </p:txBody>
+      </p:sp>
+      <p:pic>
+        <p:nvPicPr>
+          <p:cNvPr id="4" name="Picture 3">
+            <a:extLst>
+              <a:ext uri="{FF2B5EF4-FFF2-40B4-BE49-F238E27FC236}">
+                <a16:creationId xmlns:a16="http://schemas.microsoft.com/office/drawing/2014/main" id="{B7653043-F654-42C1-AE66-03860B0F0E4A}"/>
+              </a:ext>
+            </a:extLst>
+          </p:cNvPr>
+          <p:cNvPicPr>
+            <a:picLocks noChangeAspect="1"/>
+          </p:cNvPicPr>
+          <p:nvPr/>
+        </p:nvPicPr>
+        <p:blipFill>
+          <a:blip r:embed="rId2"/>
+          <a:stretch>
+            <a:fillRect/>
+          </a:stretch>
+        </p:blipFill>
+        <p:spPr>
+          <a:xfrm>
+            <a:off x="1875852" y="520862"/>
+            <a:ext cx="8440295" cy="5369108"/>
+          </a:xfrm>
+          <a:prstGeom prst="rect">
+            <a:avLst/>
+          </a:prstGeom>
+        </p:spPr>
+      </p:pic>
+    </p:spTree>
+    <p:extLst>
+      <p:ext uri="{BB962C8B-B14F-4D97-AF65-F5344CB8AC3E}">
+        <p14:creationId xmlns:p14="http://schemas.microsoft.com/office/powerpoint/2010/main" val="2766938008"/>
+      </p:ext>
+    </p:extLst>
+  </p:cSld>
+  <p:clrMapOvr>
+    <a:masterClrMapping/>
+  </p:clrMapOvr>
+</p:sld>
+</file>
+
+<file path=ppt/slides/slide9.xml><?xml version="1.0" encoding="utf-8"?>
 <p:sld xmlns:a="http://schemas.openxmlformats.org/drawingml/2006/main" xmlns:r="http://schemas.openxmlformats.org/officeDocument/2006/relationships" xmlns:p="http://schemas.openxmlformats.org/presentationml/2006/main">
   <p:cSld>
     <p:spTree>
@@ -4106,76 +5085,123 @@
           <a:chExt cx="0" cy="0"/>
         </a:xfrm>
       </p:grpSpPr>
-      <p:sp>
-        <p:nvSpPr>
-          <p:cNvPr id="3" name="TextBox 2">
-            <a:extLst>
-              <a:ext uri="{FF2B5EF4-FFF2-40B4-BE49-F238E27FC236}">
-                <a16:creationId xmlns:a16="http://schemas.microsoft.com/office/drawing/2014/main" id="{D1C2DA14-12CB-4BBC-8D4F-BFDC45D148D0}"/>
-              </a:ext>
-            </a:extLst>
-          </p:cNvPr>
-          <p:cNvSpPr txBox="1"/>
+      <p:grpSp>
+        <p:nvGrpSpPr>
+          <p:cNvPr id="10" name="Group 9">
+            <a:extLst>
+              <a:ext uri="{FF2B5EF4-FFF2-40B4-BE49-F238E27FC236}">
+                <a16:creationId xmlns:a16="http://schemas.microsoft.com/office/drawing/2014/main" id="{B412BB88-13C6-49E6-894A-29CB9BEE15B4}"/>
+              </a:ext>
+            </a:extLst>
+          </p:cNvPr>
+          <p:cNvGrpSpPr/>
           <p:nvPr/>
-        </p:nvSpPr>
-        <p:spPr>
-          <a:xfrm>
-            <a:off x="4333465" y="5196913"/>
-            <a:ext cx="3525068" cy="1477328"/>
-          </a:xfrm>
-          <a:prstGeom prst="rect">
-            <a:avLst/>
-          </a:prstGeom>
-          <a:noFill/>
-        </p:spPr>
-        <p:txBody>
-          <a:bodyPr wrap="none" rtlCol="0">
-            <a:spAutoFit/>
-          </a:bodyPr>
-          <a:lstStyle/>
-          <a:p>
-            <a:r>
-              <a:rPr lang="en-SG" dirty="0"/>
-              <a:t>Drag Age Range to Columns</a:t>
-            </a:r>
-          </a:p>
-          <a:p>
-            <a:r>
-              <a:rPr lang="en-SG" dirty="0"/>
-              <a:t>Drag RLF2009 and RLF2019 to Rows</a:t>
-            </a:r>
-          </a:p>
-          <a:p>
-            <a:r>
-              <a:rPr lang="en-SG" dirty="0"/>
-              <a:t>Click Show Me</a:t>
-            </a:r>
-          </a:p>
-          <a:p>
-            <a:r>
-              <a:rPr lang="en-SG" dirty="0"/>
-              <a:t>Hide headers</a:t>
-            </a:r>
-          </a:p>
-          <a:p>
-            <a:r>
-              <a:rPr lang="en-SG" dirty="0"/>
-              <a:t>Drag Measure Names to </a:t>
-            </a:r>
-            <a:r>
-              <a:rPr lang="en-SG" dirty="0" err="1"/>
-              <a:t>Color</a:t>
-            </a:r>
-            <a:endParaRPr lang="en-SG" dirty="0"/>
-          </a:p>
-        </p:txBody>
-      </p:sp>
+        </p:nvGrpSpPr>
+        <p:grpSpPr>
+          <a:xfrm>
+            <a:off x="1339745" y="699179"/>
+            <a:ext cx="6255946" cy="1819288"/>
+            <a:chOff x="1339745" y="699179"/>
+            <a:chExt cx="6255946" cy="1819288"/>
+          </a:xfrm>
+        </p:grpSpPr>
+        <p:pic>
+          <p:nvPicPr>
+            <p:cNvPr id="3" name="Picture 2">
+              <a:extLst>
+                <a:ext uri="{FF2B5EF4-FFF2-40B4-BE49-F238E27FC236}">
+                  <a16:creationId xmlns:a16="http://schemas.microsoft.com/office/drawing/2014/main" id="{9FF6A5B2-BA8D-4E73-A6F3-18EEFA541111}"/>
+                </a:ext>
+              </a:extLst>
+            </p:cNvPr>
+            <p:cNvPicPr>
+              <a:picLocks noChangeAspect="1"/>
+            </p:cNvPicPr>
+            <p:nvPr/>
+          </p:nvPicPr>
+          <p:blipFill>
+            <a:blip r:embed="rId2"/>
+            <a:stretch>
+              <a:fillRect/>
+            </a:stretch>
+          </p:blipFill>
+          <p:spPr>
+            <a:xfrm>
+              <a:off x="1339745" y="699179"/>
+              <a:ext cx="1738325" cy="781056"/>
+            </a:xfrm>
+            <a:prstGeom prst="rect">
+              <a:avLst/>
+            </a:prstGeom>
+          </p:spPr>
+        </p:pic>
+        <p:pic>
+          <p:nvPicPr>
+            <p:cNvPr id="5" name="Picture 4">
+              <a:extLst>
+                <a:ext uri="{FF2B5EF4-FFF2-40B4-BE49-F238E27FC236}">
+                  <a16:creationId xmlns:a16="http://schemas.microsoft.com/office/drawing/2014/main" id="{0C886538-4056-41B0-B95E-07F93614BB60}"/>
+                </a:ext>
+              </a:extLst>
+            </p:cNvPr>
+            <p:cNvPicPr>
+              <a:picLocks noChangeAspect="1"/>
+            </p:cNvPicPr>
+            <p:nvPr/>
+          </p:nvPicPr>
+          <p:blipFill>
+            <a:blip r:embed="rId3"/>
+            <a:stretch>
+              <a:fillRect/>
+            </a:stretch>
+          </p:blipFill>
+          <p:spPr>
+            <a:xfrm>
+              <a:off x="3103739" y="699179"/>
+              <a:ext cx="1733563" cy="1819288"/>
+            </a:xfrm>
+            <a:prstGeom prst="rect">
+              <a:avLst/>
+            </a:prstGeom>
+          </p:spPr>
+        </p:pic>
+        <p:pic>
+          <p:nvPicPr>
+            <p:cNvPr id="7" name="Picture 6">
+              <a:extLst>
+                <a:ext uri="{FF2B5EF4-FFF2-40B4-BE49-F238E27FC236}">
+                  <a16:creationId xmlns:a16="http://schemas.microsoft.com/office/drawing/2014/main" id="{5481901D-35C1-4942-BC79-B5445BC99715}"/>
+                </a:ext>
+              </a:extLst>
+            </p:cNvPr>
+            <p:cNvPicPr>
+              <a:picLocks noChangeAspect="1"/>
+            </p:cNvPicPr>
+            <p:nvPr/>
+          </p:nvPicPr>
+          <p:blipFill>
+            <a:blip r:embed="rId4"/>
+            <a:stretch>
+              <a:fillRect/>
+            </a:stretch>
+          </p:blipFill>
+          <p:spPr>
+            <a:xfrm>
+              <a:off x="4842912" y="811375"/>
+              <a:ext cx="2752779" cy="688195"/>
+            </a:xfrm>
+            <a:prstGeom prst="rect">
+              <a:avLst/>
+            </a:prstGeom>
+          </p:spPr>
+        </p:pic>
+      </p:grpSp>
       <p:pic>
         <p:nvPicPr>
-          <p:cNvPr id="5" name="Picture 4">
-            <a:extLst>
-              <a:ext uri="{FF2B5EF4-FFF2-40B4-BE49-F238E27FC236}">
-                <a16:creationId xmlns:a16="http://schemas.microsoft.com/office/drawing/2014/main" id="{BB2F1B76-FC00-4A02-8A54-72C79EE75DC0}"/>
+          <p:cNvPr id="9" name="Picture 8">
+            <a:extLst>
+              <a:ext uri="{FF2B5EF4-FFF2-40B4-BE49-F238E27FC236}">
+                <a16:creationId xmlns:a16="http://schemas.microsoft.com/office/drawing/2014/main" id="{1651506D-DD71-47BA-A0C7-CA42C492AFD2}"/>
               </a:ext>
             </a:extLst>
           </p:cNvPr>
@@ -4185,188 +5211,15 @@
           <p:nvPr/>
         </p:nvPicPr>
         <p:blipFill>
-          <a:blip r:embed="rId2"/>
+          <a:blip r:embed="rId5"/>
           <a:stretch>
             <a:fillRect/>
           </a:stretch>
         </p:blipFill>
         <p:spPr>
           <a:xfrm>
-            <a:off x="1516822" y="4701609"/>
-            <a:ext cx="9158354" cy="495304"/>
-          </a:xfrm>
-          <a:prstGeom prst="rect">
-            <a:avLst/>
-          </a:prstGeom>
-        </p:spPr>
-      </p:pic>
-      <p:pic>
-        <p:nvPicPr>
-          <p:cNvPr id="7" name="Picture 6">
-            <a:extLst>
-              <a:ext uri="{FF2B5EF4-FFF2-40B4-BE49-F238E27FC236}">
-                <a16:creationId xmlns:a16="http://schemas.microsoft.com/office/drawing/2014/main" id="{589654CA-52E8-45FC-A444-DC6FB8EBCA2F}"/>
-              </a:ext>
-            </a:extLst>
-          </p:cNvPr>
-          <p:cNvPicPr>
-            <a:picLocks noChangeAspect="1"/>
-          </p:cNvPicPr>
-          <p:nvPr/>
-        </p:nvPicPr>
-        <p:blipFill>
-          <a:blip r:embed="rId3"/>
-          <a:stretch>
-            <a:fillRect/>
-          </a:stretch>
-        </p:blipFill>
-        <p:spPr>
-          <a:xfrm>
-            <a:off x="3303895" y="183759"/>
-            <a:ext cx="5584210" cy="3693813"/>
-          </a:xfrm>
-          <a:prstGeom prst="rect">
-            <a:avLst/>
-          </a:prstGeom>
-        </p:spPr>
-      </p:pic>
-      <p:sp>
-        <p:nvSpPr>
-          <p:cNvPr id="8" name="TextBox 7">
-            <a:extLst>
-              <a:ext uri="{FF2B5EF4-FFF2-40B4-BE49-F238E27FC236}">
-                <a16:creationId xmlns:a16="http://schemas.microsoft.com/office/drawing/2014/main" id="{75A0868F-ED9A-42D5-8B44-088CD2BFB5B9}"/>
-              </a:ext>
-            </a:extLst>
-          </p:cNvPr>
-          <p:cNvSpPr txBox="1"/>
-          <p:nvPr/>
-        </p:nvSpPr>
-        <p:spPr>
-          <a:xfrm>
-            <a:off x="4802441" y="3877572"/>
-            <a:ext cx="2587118" cy="369332"/>
-          </a:xfrm>
-          <a:prstGeom prst="rect">
-            <a:avLst/>
-          </a:prstGeom>
-          <a:noFill/>
-        </p:spPr>
-        <p:txBody>
-          <a:bodyPr wrap="none" rtlCol="0">
-            <a:spAutoFit/>
-          </a:bodyPr>
-          <a:lstStyle/>
-          <a:p>
-            <a:pPr algn="ctr"/>
-            <a:r>
-              <a:rPr lang="en-SG" dirty="0"/>
-              <a:t>Add legend as annotation</a:t>
-            </a:r>
-          </a:p>
-        </p:txBody>
-      </p:sp>
-    </p:spTree>
-    <p:extLst>
-      <p:ext uri="{BB962C8B-B14F-4D97-AF65-F5344CB8AC3E}">
-        <p14:creationId xmlns:p14="http://schemas.microsoft.com/office/powerpoint/2010/main" val="1977906106"/>
-      </p:ext>
-    </p:extLst>
-  </p:cSld>
-  <p:clrMapOvr>
-    <a:masterClrMapping/>
-  </p:clrMapOvr>
-</p:sld>
-</file>
-
-<file path=ppt/slides/slide8.xml><?xml version="1.0" encoding="utf-8"?>
-<p:sld xmlns:a="http://schemas.openxmlformats.org/drawingml/2006/main" xmlns:r="http://schemas.openxmlformats.org/officeDocument/2006/relationships" xmlns:p="http://schemas.openxmlformats.org/presentationml/2006/main">
-  <p:cSld>
-    <p:spTree>
-      <p:nvGrpSpPr>
-        <p:cNvPr id="1" name=""/>
-        <p:cNvGrpSpPr/>
-        <p:nvPr/>
-      </p:nvGrpSpPr>
-      <p:grpSpPr>
-        <a:xfrm>
-          <a:off x="0" y="0"/>
-          <a:ext cx="0" cy="0"/>
-          <a:chOff x="0" y="0"/>
-          <a:chExt cx="0" cy="0"/>
-        </a:xfrm>
-      </p:grpSpPr>
-      <p:sp>
-        <p:nvSpPr>
-          <p:cNvPr id="2" name="TextBox 1">
-            <a:extLst>
-              <a:ext uri="{FF2B5EF4-FFF2-40B4-BE49-F238E27FC236}">
-                <a16:creationId xmlns:a16="http://schemas.microsoft.com/office/drawing/2014/main" id="{9CB343B0-5178-4A51-8D10-97A489885EE1}"/>
-              </a:ext>
-            </a:extLst>
-          </p:cNvPr>
-          <p:cNvSpPr txBox="1"/>
-          <p:nvPr/>
-        </p:nvSpPr>
-        <p:spPr>
-          <a:xfrm>
-            <a:off x="4016200" y="5889970"/>
-            <a:ext cx="4159600" cy="923330"/>
-          </a:xfrm>
-          <a:prstGeom prst="rect">
-            <a:avLst/>
-          </a:prstGeom>
-          <a:noFill/>
-        </p:spPr>
-        <p:txBody>
-          <a:bodyPr wrap="none" rtlCol="0">
-            <a:spAutoFit/>
-          </a:bodyPr>
-          <a:lstStyle/>
-          <a:p>
-            <a:r>
-              <a:rPr lang="en-SG" dirty="0"/>
-              <a:t>Add title, lead-in paragraph, source as text</a:t>
-            </a:r>
-          </a:p>
-          <a:p>
-            <a:r>
-              <a:rPr lang="en-SG" dirty="0"/>
-              <a:t>Add dot chart</a:t>
-            </a:r>
-          </a:p>
-          <a:p>
-            <a:r>
-              <a:rPr lang="en-SG" dirty="0"/>
-              <a:t>Add RLF data</a:t>
-            </a:r>
-          </a:p>
-        </p:txBody>
-      </p:sp>
-      <p:pic>
-        <p:nvPicPr>
-          <p:cNvPr id="4" name="Picture 3">
-            <a:extLst>
-              <a:ext uri="{FF2B5EF4-FFF2-40B4-BE49-F238E27FC236}">
-                <a16:creationId xmlns:a16="http://schemas.microsoft.com/office/drawing/2014/main" id="{B7653043-F654-42C1-AE66-03860B0F0E4A}"/>
-              </a:ext>
-            </a:extLst>
-          </p:cNvPr>
-          <p:cNvPicPr>
-            <a:picLocks noChangeAspect="1"/>
-          </p:cNvPicPr>
-          <p:nvPr/>
-        </p:nvPicPr>
-        <p:blipFill>
-          <a:blip r:embed="rId2"/>
-          <a:stretch>
-            <a:fillRect/>
-          </a:stretch>
-        </p:blipFill>
-        <p:spPr>
-          <a:xfrm>
-            <a:off x="1875852" y="520862"/>
-            <a:ext cx="8440295" cy="5369108"/>
+            <a:off x="1339745" y="2682272"/>
+            <a:ext cx="5162588" cy="1881201"/>
           </a:xfrm>
           <a:prstGeom prst="rect">
             <a:avLst/>
@@ -4376,7 +5229,7 @@
     </p:spTree>
     <p:extLst>
       <p:ext uri="{BB962C8B-B14F-4D97-AF65-F5344CB8AC3E}">
-        <p14:creationId xmlns:p14="http://schemas.microsoft.com/office/powerpoint/2010/main" val="2766938008"/>
+        <p14:creationId xmlns:p14="http://schemas.microsoft.com/office/powerpoint/2010/main" val="1446359125"/>
       </p:ext>
     </p:extLst>
   </p:cSld>

--- a/Makeover1/DataViz Makeover 1.pptx
+++ b/Makeover1/DataViz Makeover 1.pptx
@@ -4110,16 +4110,15 @@
           </p:cNvPicPr>
           <p:nvPr/>
         </p:nvPicPr>
-        <p:blipFill>
+        <p:blipFill rotWithShape="1">
           <a:blip r:embed="rId2"/>
-          <a:stretch>
-            <a:fillRect/>
-          </a:stretch>
+          <a:srcRect l="4313" r="4136"/>
+          <a:stretch/>
         </p:blipFill>
         <p:spPr>
           <a:xfrm>
-            <a:off x="1892491" y="196449"/>
-            <a:ext cx="8407017" cy="5461222"/>
+            <a:off x="2255146" y="196449"/>
+            <a:ext cx="7696667" cy="5461222"/>
           </a:xfrm>
           <a:prstGeom prst="rect">
             <a:avLst/>
